--- a/挿入画像用.pptx
+++ b/挿入画像用.pptx
@@ -6,7 +6,9 @@
   </p:sldMasterIdLst>
   <p:sldIdLst>
     <p:sldId id="256" r:id="rId2"/>
-    <p:sldId id="257" r:id="rId3"/>
+    <p:sldId id="259" r:id="rId3"/>
+    <p:sldId id="257" r:id="rId4"/>
+    <p:sldId id="258" r:id="rId5"/>
   </p:sldIdLst>
   <p:sldSz cx="12192000" cy="6858000"/>
   <p:notesSz cx="6858000" cy="9144000"/>
@@ -105,6 +107,11 @@
       </a:defRPr>
     </a:lvl9pPr>
   </p:defaultTextStyle>
+  <p:extLst>
+    <p:ext uri="{EFAFB233-063F-42B5-8137-9DF3F51BA10A}">
+      <p15:sldGuideLst xmlns:p15="http://schemas.microsoft.com/office/powerpoint/2012/main"/>
+    </p:ext>
+  </p:extLst>
 </p:presentation>
 </file>
 
@@ -255,7 +262,7 @@
           <a:p>
             <a:fld id="{78E0C0C6-B24B-4783-8874-75175F6AEAA7}" type="datetimeFigureOut">
               <a:rPr kumimoji="1" lang="ja-JP" altLang="en-US" smtClean="0"/>
-              <a:t>2025/2/7</a:t>
+              <a:t>2025/2/10</a:t>
             </a:fld>
             <a:endParaRPr kumimoji="1" lang="ja-JP" altLang="en-US"/>
           </a:p>
@@ -485,7 +492,7 @@
           <a:p>
             <a:fld id="{78E0C0C6-B24B-4783-8874-75175F6AEAA7}" type="datetimeFigureOut">
               <a:rPr kumimoji="1" lang="ja-JP" altLang="en-US" smtClean="0"/>
-              <a:t>2025/2/7</a:t>
+              <a:t>2025/2/10</a:t>
             </a:fld>
             <a:endParaRPr kumimoji="1" lang="ja-JP" altLang="en-US"/>
           </a:p>
@@ -725,7 +732,7 @@
           <a:p>
             <a:fld id="{78E0C0C6-B24B-4783-8874-75175F6AEAA7}" type="datetimeFigureOut">
               <a:rPr kumimoji="1" lang="ja-JP" altLang="en-US" smtClean="0"/>
-              <a:t>2025/2/7</a:t>
+              <a:t>2025/2/10</a:t>
             </a:fld>
             <a:endParaRPr kumimoji="1" lang="ja-JP" altLang="en-US"/>
           </a:p>
@@ -955,7 +962,7 @@
           <a:p>
             <a:fld id="{78E0C0C6-B24B-4783-8874-75175F6AEAA7}" type="datetimeFigureOut">
               <a:rPr kumimoji="1" lang="ja-JP" altLang="en-US" smtClean="0"/>
-              <a:t>2025/2/7</a:t>
+              <a:t>2025/2/10</a:t>
             </a:fld>
             <a:endParaRPr kumimoji="1" lang="ja-JP" altLang="en-US"/>
           </a:p>
@@ -1230,7 +1237,7 @@
           <a:p>
             <a:fld id="{78E0C0C6-B24B-4783-8874-75175F6AEAA7}" type="datetimeFigureOut">
               <a:rPr kumimoji="1" lang="ja-JP" altLang="en-US" smtClean="0"/>
-              <a:t>2025/2/7</a:t>
+              <a:t>2025/2/10</a:t>
             </a:fld>
             <a:endParaRPr kumimoji="1" lang="ja-JP" altLang="en-US"/>
           </a:p>
@@ -1559,7 +1566,7 @@
           <a:p>
             <a:fld id="{78E0C0C6-B24B-4783-8874-75175F6AEAA7}" type="datetimeFigureOut">
               <a:rPr kumimoji="1" lang="ja-JP" altLang="en-US" smtClean="0"/>
-              <a:t>2025/2/7</a:t>
+              <a:t>2025/2/10</a:t>
             </a:fld>
             <a:endParaRPr kumimoji="1" lang="ja-JP" altLang="en-US"/>
           </a:p>
@@ -2035,7 +2042,7 @@
           <a:p>
             <a:fld id="{78E0C0C6-B24B-4783-8874-75175F6AEAA7}" type="datetimeFigureOut">
               <a:rPr kumimoji="1" lang="ja-JP" altLang="en-US" smtClean="0"/>
-              <a:t>2025/2/7</a:t>
+              <a:t>2025/2/10</a:t>
             </a:fld>
             <a:endParaRPr kumimoji="1" lang="ja-JP" altLang="en-US"/>
           </a:p>
@@ -2176,7 +2183,7 @@
           <a:p>
             <a:fld id="{78E0C0C6-B24B-4783-8874-75175F6AEAA7}" type="datetimeFigureOut">
               <a:rPr kumimoji="1" lang="ja-JP" altLang="en-US" smtClean="0"/>
-              <a:t>2025/2/7</a:t>
+              <a:t>2025/2/10</a:t>
             </a:fld>
             <a:endParaRPr kumimoji="1" lang="ja-JP" altLang="en-US"/>
           </a:p>
@@ -2289,7 +2296,7 @@
           <a:p>
             <a:fld id="{78E0C0C6-B24B-4783-8874-75175F6AEAA7}" type="datetimeFigureOut">
               <a:rPr kumimoji="1" lang="ja-JP" altLang="en-US" smtClean="0"/>
-              <a:t>2025/2/7</a:t>
+              <a:t>2025/2/10</a:t>
             </a:fld>
             <a:endParaRPr kumimoji="1" lang="ja-JP" altLang="en-US"/>
           </a:p>
@@ -2632,7 +2639,7 @@
           <a:p>
             <a:fld id="{78E0C0C6-B24B-4783-8874-75175F6AEAA7}" type="datetimeFigureOut">
               <a:rPr kumimoji="1" lang="ja-JP" altLang="en-US" smtClean="0"/>
-              <a:t>2025/2/7</a:t>
+              <a:t>2025/2/10</a:t>
             </a:fld>
             <a:endParaRPr kumimoji="1" lang="ja-JP" altLang="en-US"/>
           </a:p>
@@ -2920,7 +2927,7 @@
           <a:p>
             <a:fld id="{78E0C0C6-B24B-4783-8874-75175F6AEAA7}" type="datetimeFigureOut">
               <a:rPr kumimoji="1" lang="ja-JP" altLang="en-US" smtClean="0"/>
-              <a:t>2025/2/7</a:t>
+              <a:t>2025/2/10</a:t>
             </a:fld>
             <a:endParaRPr kumimoji="1" lang="ja-JP" altLang="en-US"/>
           </a:p>
@@ -3193,7 +3200,7 @@
           <a:p>
             <a:fld id="{78E0C0C6-B24B-4783-8874-75175F6AEAA7}" type="datetimeFigureOut">
               <a:rPr kumimoji="1" lang="ja-JP" altLang="en-US" smtClean="0"/>
-              <a:t>2025/2/7</a:t>
+              <a:t>2025/2/10</a:t>
             </a:fld>
             <a:endParaRPr kumimoji="1" lang="ja-JP" altLang="en-US"/>
           </a:p>
@@ -3596,6 +3603,14 @@
 <file path=ppt/slides/slide1.xml><?xml version="1.0" encoding="utf-8"?>
 <p:sld xmlns:a="http://schemas.openxmlformats.org/drawingml/2006/main" xmlns:r="http://schemas.openxmlformats.org/officeDocument/2006/relationships" xmlns:p="http://schemas.openxmlformats.org/presentationml/2006/main">
   <p:cSld>
+    <p:bg>
+      <p:bgPr>
+        <a:solidFill>
+          <a:srgbClr val="FEF8F4"/>
+        </a:solidFill>
+        <a:effectLst/>
+      </p:bgPr>
+    </p:bg>
     <p:spTree>
       <p:nvGrpSpPr>
         <p:cNvPr id="1" name=""/>
@@ -5640,6 +5655,685 @@
 <file path=ppt/slides/slide2.xml><?xml version="1.0" encoding="utf-8"?>
 <p:sld xmlns:a="http://schemas.openxmlformats.org/drawingml/2006/main" xmlns:r="http://schemas.openxmlformats.org/officeDocument/2006/relationships" xmlns:p="http://schemas.openxmlformats.org/presentationml/2006/main">
   <p:cSld>
+    <p:bg>
+      <p:bgPr>
+        <a:solidFill>
+          <a:srgbClr val="FEF8F4"/>
+        </a:solidFill>
+        <a:effectLst/>
+      </p:bgPr>
+    </p:bg>
+    <p:spTree>
+      <p:nvGrpSpPr>
+        <p:cNvPr id="1" name="">
+          <a:extLst>
+            <a:ext uri="{FF2B5EF4-FFF2-40B4-BE49-F238E27FC236}">
+              <a16:creationId xmlns:a16="http://schemas.microsoft.com/office/drawing/2014/main" id="{C84BB737-FE76-5C11-D9A7-B357EC7573AD}"/>
+            </a:ext>
+          </a:extLst>
+        </p:cNvPr>
+        <p:cNvGrpSpPr/>
+        <p:nvPr/>
+      </p:nvGrpSpPr>
+      <p:grpSpPr>
+        <a:xfrm>
+          <a:off x="0" y="0"/>
+          <a:ext cx="0" cy="0"/>
+          <a:chOff x="0" y="0"/>
+          <a:chExt cx="0" cy="0"/>
+        </a:xfrm>
+      </p:grpSpPr>
+      <p:sp>
+        <p:nvSpPr>
+          <p:cNvPr id="1044" name="正方形/長方形 1043">
+            <a:extLst>
+              <a:ext uri="{FF2B5EF4-FFF2-40B4-BE49-F238E27FC236}">
+                <a16:creationId xmlns:a16="http://schemas.microsoft.com/office/drawing/2014/main" id="{F35D0F7B-3A4E-B23D-A594-E120D91AE48A}"/>
+              </a:ext>
+            </a:extLst>
+          </p:cNvPr>
+          <p:cNvSpPr/>
+          <p:nvPr/>
+        </p:nvSpPr>
+        <p:spPr>
+          <a:xfrm>
+            <a:off x="2830233" y="1968995"/>
+            <a:ext cx="1951734" cy="2488354"/>
+          </a:xfrm>
+          <a:prstGeom prst="rect">
+            <a:avLst/>
+          </a:prstGeom>
+          <a:solidFill>
+            <a:schemeClr val="accent2">
+              <a:lumMod val="20000"/>
+              <a:lumOff val="80000"/>
+            </a:schemeClr>
+          </a:solidFill>
+        </p:spPr>
+        <p:style>
+          <a:lnRef idx="2">
+            <a:schemeClr val="accent1">
+              <a:shade val="15000"/>
+            </a:schemeClr>
+          </a:lnRef>
+          <a:fillRef idx="1">
+            <a:schemeClr val="accent1"/>
+          </a:fillRef>
+          <a:effectRef idx="0">
+            <a:schemeClr val="accent1"/>
+          </a:effectRef>
+          <a:fontRef idx="minor">
+            <a:schemeClr val="lt1"/>
+          </a:fontRef>
+        </p:style>
+        <p:txBody>
+          <a:bodyPr rtlCol="0" anchor="t" anchorCtr="0"/>
+          <a:lstStyle/>
+          <a:p>
+            <a:pPr algn="ctr"/>
+            <a:r>
+              <a:rPr lang="en-US" altLang="ja-JP" b="1" dirty="0">
+                <a:solidFill>
+                  <a:schemeClr val="tx1"/>
+                </a:solidFill>
+                <a:latin typeface="メイリオ" panose="020B0604030504040204" pitchFamily="50" charset="-128"/>
+                <a:ea typeface="メイリオ" panose="020B0604030504040204" pitchFamily="50" charset="-128"/>
+              </a:rPr>
+              <a:t>Multi Agent</a:t>
+            </a:r>
+            <a:endParaRPr kumimoji="1" lang="ja-JP" altLang="en-US" b="1" dirty="0">
+              <a:solidFill>
+                <a:schemeClr val="tx1"/>
+              </a:solidFill>
+              <a:latin typeface="メイリオ" panose="020B0604030504040204" pitchFamily="50" charset="-128"/>
+              <a:ea typeface="メイリオ" panose="020B0604030504040204" pitchFamily="50" charset="-128"/>
+            </a:endParaRPr>
+          </a:p>
+        </p:txBody>
+      </p:sp>
+      <p:grpSp>
+        <p:nvGrpSpPr>
+          <p:cNvPr id="1180" name="グループ化 1179">
+            <a:extLst>
+              <a:ext uri="{FF2B5EF4-FFF2-40B4-BE49-F238E27FC236}">
+                <a16:creationId xmlns:a16="http://schemas.microsoft.com/office/drawing/2014/main" id="{A619C690-8494-F1BE-5CCC-F4BFD71F229D}"/>
+              </a:ext>
+            </a:extLst>
+          </p:cNvPr>
+          <p:cNvGrpSpPr/>
+          <p:nvPr/>
+        </p:nvGrpSpPr>
+        <p:grpSpPr>
+          <a:xfrm>
+            <a:off x="2896452" y="2394533"/>
+            <a:ext cx="1772858" cy="796483"/>
+            <a:chOff x="4978790" y="1596112"/>
+            <a:chExt cx="1543139" cy="796483"/>
+          </a:xfrm>
+        </p:grpSpPr>
+        <p:sp>
+          <p:nvSpPr>
+            <p:cNvPr id="11" name="四角形: 角を丸くする 10">
+              <a:extLst>
+                <a:ext uri="{FF2B5EF4-FFF2-40B4-BE49-F238E27FC236}">
+                  <a16:creationId xmlns:a16="http://schemas.microsoft.com/office/drawing/2014/main" id="{1D89EA0D-5014-C3A0-20E5-7F0A26673078}"/>
+                </a:ext>
+              </a:extLst>
+            </p:cNvPr>
+            <p:cNvSpPr/>
+            <p:nvPr/>
+          </p:nvSpPr>
+          <p:spPr>
+            <a:xfrm>
+              <a:off x="5026213" y="1596112"/>
+              <a:ext cx="1495716" cy="796483"/>
+            </a:xfrm>
+            <a:prstGeom prst="roundRect">
+              <a:avLst/>
+            </a:prstGeom>
+            <a:solidFill>
+              <a:schemeClr val="bg1"/>
+            </a:solidFill>
+            <a:ln>
+              <a:solidFill>
+                <a:schemeClr val="tx1"/>
+              </a:solidFill>
+            </a:ln>
+          </p:spPr>
+          <p:style>
+            <a:lnRef idx="2">
+              <a:schemeClr val="accent1">
+                <a:shade val="15000"/>
+              </a:schemeClr>
+            </a:lnRef>
+            <a:fillRef idx="1">
+              <a:schemeClr val="accent1"/>
+            </a:fillRef>
+            <a:effectRef idx="0">
+              <a:schemeClr val="accent1"/>
+            </a:effectRef>
+            <a:fontRef idx="minor">
+              <a:schemeClr val="lt1"/>
+            </a:fontRef>
+          </p:style>
+          <p:txBody>
+            <a:bodyPr rtlCol="0" anchor="ctr"/>
+            <a:lstStyle/>
+            <a:p>
+              <a:pPr algn="r"/>
+              <a:r>
+                <a:rPr lang="en-US" altLang="ja-JP" b="1" dirty="0">
+                  <a:solidFill>
+                    <a:schemeClr val="tx1"/>
+                  </a:solidFill>
+                  <a:latin typeface="メイリオ" panose="020B0604030504040204" pitchFamily="50" charset="-128"/>
+                  <a:ea typeface="メイリオ" panose="020B0604030504040204" pitchFamily="50" charset="-128"/>
+                </a:rPr>
+                <a:t>Agent1</a:t>
+              </a:r>
+              <a:endParaRPr kumimoji="1" lang="ja-JP" altLang="en-US" b="1" dirty="0">
+                <a:solidFill>
+                  <a:schemeClr val="tx1"/>
+                </a:solidFill>
+                <a:latin typeface="メイリオ" panose="020B0604030504040204" pitchFamily="50" charset="-128"/>
+                <a:ea typeface="メイリオ" panose="020B0604030504040204" pitchFamily="50" charset="-128"/>
+              </a:endParaRPr>
+            </a:p>
+          </p:txBody>
+        </p:sp>
+        <p:pic>
+          <p:nvPicPr>
+            <p:cNvPr id="1031" name="グラフィックス 1030" descr="人工知能 枠線">
+              <a:extLst>
+                <a:ext uri="{FF2B5EF4-FFF2-40B4-BE49-F238E27FC236}">
+                  <a16:creationId xmlns:a16="http://schemas.microsoft.com/office/drawing/2014/main" id="{D1D8F17E-5BA2-0F2B-9F54-A7E34ECBC5DF}"/>
+                </a:ext>
+              </a:extLst>
+            </p:cNvPr>
+            <p:cNvPicPr>
+              <a:picLocks noChangeAspect="1"/>
+            </p:cNvPicPr>
+            <p:nvPr/>
+          </p:nvPicPr>
+          <p:blipFill>
+            <a:blip r:embed="rId2">
+              <a:extLst>
+                <a:ext uri="{96DAC541-7B7A-43D3-8B79-37D633B846F1}">
+                  <asvg:svgBlip xmlns:asvg="http://schemas.microsoft.com/office/drawing/2016/SVG/main" r:embed="rId3"/>
+                </a:ext>
+              </a:extLst>
+            </a:blip>
+            <a:stretch>
+              <a:fillRect/>
+            </a:stretch>
+          </p:blipFill>
+          <p:spPr>
+            <a:xfrm>
+              <a:off x="4978790" y="1614211"/>
+              <a:ext cx="737171" cy="737171"/>
+            </a:xfrm>
+            <a:prstGeom prst="rect">
+              <a:avLst/>
+            </a:prstGeom>
+          </p:spPr>
+        </p:pic>
+      </p:grpSp>
+      <p:cxnSp>
+        <p:nvCxnSpPr>
+          <p:cNvPr id="1150" name="直線矢印コネクタ 1149">
+            <a:extLst>
+              <a:ext uri="{FF2B5EF4-FFF2-40B4-BE49-F238E27FC236}">
+                <a16:creationId xmlns:a16="http://schemas.microsoft.com/office/drawing/2014/main" id="{5B19EDEA-3D12-6671-BA48-1FF6F3A7CC1B}"/>
+              </a:ext>
+            </a:extLst>
+          </p:cNvPr>
+          <p:cNvCxnSpPr>
+            <a:cxnSpLocks/>
+            <a:stCxn id="1044" idx="3"/>
+            <a:endCxn id="6" idx="1"/>
+          </p:cNvCxnSpPr>
+          <p:nvPr/>
+        </p:nvCxnSpPr>
+        <p:spPr>
+          <a:xfrm>
+            <a:off x="4781967" y="3213172"/>
+            <a:ext cx="979890" cy="9956"/>
+          </a:xfrm>
+          <a:prstGeom prst="straightConnector1">
+            <a:avLst/>
+          </a:prstGeom>
+          <a:ln w="31750">
+            <a:headEnd type="triangle"/>
+            <a:tailEnd type="triangle"/>
+          </a:ln>
+        </p:spPr>
+        <p:style>
+          <a:lnRef idx="2">
+            <a:schemeClr val="dk1"/>
+          </a:lnRef>
+          <a:fillRef idx="0">
+            <a:schemeClr val="dk1"/>
+          </a:fillRef>
+          <a:effectRef idx="1">
+            <a:schemeClr val="dk1"/>
+          </a:effectRef>
+          <a:fontRef idx="minor">
+            <a:schemeClr val="tx1"/>
+          </a:fontRef>
+        </p:style>
+      </p:cxnSp>
+      <p:cxnSp>
+        <p:nvCxnSpPr>
+          <p:cNvPr id="1158" name="直線矢印コネクタ 1157">
+            <a:extLst>
+              <a:ext uri="{FF2B5EF4-FFF2-40B4-BE49-F238E27FC236}">
+                <a16:creationId xmlns:a16="http://schemas.microsoft.com/office/drawing/2014/main" id="{60998D15-88E6-4566-D426-9C8F9ECFF92E}"/>
+              </a:ext>
+            </a:extLst>
+          </p:cNvPr>
+          <p:cNvCxnSpPr>
+            <a:cxnSpLocks/>
+            <a:stCxn id="11" idx="2"/>
+            <a:endCxn id="12" idx="0"/>
+          </p:cNvCxnSpPr>
+          <p:nvPr/>
+        </p:nvCxnSpPr>
+        <p:spPr>
+          <a:xfrm>
+            <a:off x="3810123" y="3191016"/>
+            <a:ext cx="1852" cy="346297"/>
+          </a:xfrm>
+          <a:prstGeom prst="straightConnector1">
+            <a:avLst/>
+          </a:prstGeom>
+          <a:ln w="31750">
+            <a:headEnd type="triangle"/>
+            <a:tailEnd type="triangle"/>
+          </a:ln>
+        </p:spPr>
+        <p:style>
+          <a:lnRef idx="2">
+            <a:schemeClr val="dk1"/>
+          </a:lnRef>
+          <a:fillRef idx="0">
+            <a:schemeClr val="dk1"/>
+          </a:fillRef>
+          <a:effectRef idx="1">
+            <a:schemeClr val="dk1"/>
+          </a:effectRef>
+          <a:fontRef idx="minor">
+            <a:schemeClr val="tx1"/>
+          </a:fontRef>
+        </p:style>
+      </p:cxnSp>
+      <p:grpSp>
+        <p:nvGrpSpPr>
+          <p:cNvPr id="1181" name="グループ化 1180">
+            <a:extLst>
+              <a:ext uri="{FF2B5EF4-FFF2-40B4-BE49-F238E27FC236}">
+                <a16:creationId xmlns:a16="http://schemas.microsoft.com/office/drawing/2014/main" id="{3B20E604-B45E-6498-3D90-4B0605562FD4}"/>
+              </a:ext>
+            </a:extLst>
+          </p:cNvPr>
+          <p:cNvGrpSpPr/>
+          <p:nvPr/>
+        </p:nvGrpSpPr>
+        <p:grpSpPr>
+          <a:xfrm>
+            <a:off x="2900410" y="3537313"/>
+            <a:ext cx="1773252" cy="796483"/>
+            <a:chOff x="4982800" y="2738892"/>
+            <a:chExt cx="1543482" cy="796483"/>
+          </a:xfrm>
+        </p:grpSpPr>
+        <p:sp>
+          <p:nvSpPr>
+            <p:cNvPr id="12" name="四角形: 角を丸くする 11">
+              <a:extLst>
+                <a:ext uri="{FF2B5EF4-FFF2-40B4-BE49-F238E27FC236}">
+                  <a16:creationId xmlns:a16="http://schemas.microsoft.com/office/drawing/2014/main" id="{D4943634-CA1F-C966-F79E-1BA0C3AFA914}"/>
+                </a:ext>
+              </a:extLst>
+            </p:cNvPr>
+            <p:cNvSpPr/>
+            <p:nvPr/>
+          </p:nvSpPr>
+          <p:spPr>
+            <a:xfrm>
+              <a:off x="5026214" y="2738892"/>
+              <a:ext cx="1500068" cy="796483"/>
+            </a:xfrm>
+            <a:prstGeom prst="roundRect">
+              <a:avLst/>
+            </a:prstGeom>
+            <a:solidFill>
+              <a:schemeClr val="bg1"/>
+            </a:solidFill>
+            <a:ln>
+              <a:solidFill>
+                <a:schemeClr val="tx1"/>
+              </a:solidFill>
+            </a:ln>
+          </p:spPr>
+          <p:style>
+            <a:lnRef idx="2">
+              <a:schemeClr val="accent1">
+                <a:shade val="15000"/>
+              </a:schemeClr>
+            </a:lnRef>
+            <a:fillRef idx="1">
+              <a:schemeClr val="accent1"/>
+            </a:fillRef>
+            <a:effectRef idx="0">
+              <a:schemeClr val="accent1"/>
+            </a:effectRef>
+            <a:fontRef idx="minor">
+              <a:schemeClr val="lt1"/>
+            </a:fontRef>
+          </p:style>
+          <p:txBody>
+            <a:bodyPr rtlCol="0" anchor="ctr"/>
+            <a:lstStyle/>
+            <a:p>
+              <a:pPr algn="r"/>
+              <a:r>
+                <a:rPr lang="en-US" altLang="ja-JP" b="1" dirty="0">
+                  <a:solidFill>
+                    <a:schemeClr val="tx1"/>
+                  </a:solidFill>
+                  <a:latin typeface="メイリオ" panose="020B0604030504040204" pitchFamily="50" charset="-128"/>
+                  <a:ea typeface="メイリオ" panose="020B0604030504040204" pitchFamily="50" charset="-128"/>
+                </a:rPr>
+                <a:t>Agent2</a:t>
+              </a:r>
+              <a:endParaRPr kumimoji="1" lang="ja-JP" altLang="en-US" b="1" dirty="0">
+                <a:solidFill>
+                  <a:schemeClr val="tx1"/>
+                </a:solidFill>
+                <a:latin typeface="メイリオ" panose="020B0604030504040204" pitchFamily="50" charset="-128"/>
+                <a:ea typeface="メイリオ" panose="020B0604030504040204" pitchFamily="50" charset="-128"/>
+              </a:endParaRPr>
+            </a:p>
+          </p:txBody>
+        </p:sp>
+        <p:pic>
+          <p:nvPicPr>
+            <p:cNvPr id="1175" name="グラフィックス 1174" descr="人工知能 枠線">
+              <a:extLst>
+                <a:ext uri="{FF2B5EF4-FFF2-40B4-BE49-F238E27FC236}">
+                  <a16:creationId xmlns:a16="http://schemas.microsoft.com/office/drawing/2014/main" id="{1D0773BD-FDD4-C5A6-A66F-99C319583DAB}"/>
+                </a:ext>
+              </a:extLst>
+            </p:cNvPr>
+            <p:cNvPicPr>
+              <a:picLocks noChangeAspect="1"/>
+            </p:cNvPicPr>
+            <p:nvPr/>
+          </p:nvPicPr>
+          <p:blipFill>
+            <a:blip r:embed="rId2">
+              <a:extLst>
+                <a:ext uri="{96DAC541-7B7A-43D3-8B79-37D633B846F1}">
+                  <asvg:svgBlip xmlns:asvg="http://schemas.microsoft.com/office/drawing/2016/SVG/main" r:embed="rId3"/>
+                </a:ext>
+              </a:extLst>
+            </a:blip>
+            <a:stretch>
+              <a:fillRect/>
+            </a:stretch>
+          </p:blipFill>
+          <p:spPr>
+            <a:xfrm>
+              <a:off x="4982800" y="2768547"/>
+              <a:ext cx="737171" cy="737171"/>
+            </a:xfrm>
+            <a:prstGeom prst="rect">
+              <a:avLst/>
+            </a:prstGeom>
+          </p:spPr>
+        </p:pic>
+      </p:grpSp>
+      <p:sp>
+        <p:nvSpPr>
+          <p:cNvPr id="1224" name="テキスト ボックス 1223">
+            <a:extLst>
+              <a:ext uri="{FF2B5EF4-FFF2-40B4-BE49-F238E27FC236}">
+                <a16:creationId xmlns:a16="http://schemas.microsoft.com/office/drawing/2014/main" id="{FD009913-8009-2830-E7A7-3E2A31188424}"/>
+              </a:ext>
+            </a:extLst>
+          </p:cNvPr>
+          <p:cNvSpPr txBox="1"/>
+          <p:nvPr/>
+        </p:nvSpPr>
+        <p:spPr>
+          <a:xfrm>
+            <a:off x="3561049" y="3210275"/>
+            <a:ext cx="1108261" cy="307777"/>
+          </a:xfrm>
+          <a:prstGeom prst="rect">
+            <a:avLst/>
+          </a:prstGeom>
+          <a:noFill/>
+        </p:spPr>
+        <p:txBody>
+          <a:bodyPr wrap="square" rtlCol="0">
+            <a:spAutoFit/>
+          </a:bodyPr>
+          <a:lstStyle/>
+          <a:p>
+            <a:pPr algn="ctr"/>
+            <a:r>
+              <a:rPr lang="ja-JP" altLang="en-US" sz="1400" dirty="0">
+                <a:latin typeface="メイリオ" panose="020B0604030504040204" pitchFamily="50" charset="-128"/>
+                <a:ea typeface="メイリオ" panose="020B0604030504040204" pitchFamily="50" charset="-128"/>
+              </a:rPr>
+              <a:t>議論</a:t>
+            </a:r>
+            <a:endParaRPr kumimoji="1" lang="ja-JP" altLang="en-US" sz="1400" dirty="0">
+              <a:latin typeface="メイリオ" panose="020B0604030504040204" pitchFamily="50" charset="-128"/>
+              <a:ea typeface="メイリオ" panose="020B0604030504040204" pitchFamily="50" charset="-128"/>
+            </a:endParaRPr>
+          </a:p>
+        </p:txBody>
+      </p:sp>
+      <p:grpSp>
+        <p:nvGrpSpPr>
+          <p:cNvPr id="4" name="グループ化 3">
+            <a:extLst>
+              <a:ext uri="{FF2B5EF4-FFF2-40B4-BE49-F238E27FC236}">
+                <a16:creationId xmlns:a16="http://schemas.microsoft.com/office/drawing/2014/main" id="{6BD67715-EA77-08AD-4D89-DC08B530FAE7}"/>
+              </a:ext>
+            </a:extLst>
+          </p:cNvPr>
+          <p:cNvGrpSpPr/>
+          <p:nvPr/>
+        </p:nvGrpSpPr>
+        <p:grpSpPr>
+          <a:xfrm>
+            <a:off x="5761857" y="2676813"/>
+            <a:ext cx="978040" cy="1092629"/>
+            <a:chOff x="6857063" y="2514954"/>
+            <a:chExt cx="978040" cy="1092629"/>
+          </a:xfrm>
+        </p:grpSpPr>
+        <p:sp>
+          <p:nvSpPr>
+            <p:cNvPr id="6" name="四角形: 角を丸くする 5">
+              <a:extLst>
+                <a:ext uri="{FF2B5EF4-FFF2-40B4-BE49-F238E27FC236}">
+                  <a16:creationId xmlns:a16="http://schemas.microsoft.com/office/drawing/2014/main" id="{11CA1E29-CF32-2B1E-7DC2-F6FE3942D15F}"/>
+                </a:ext>
+              </a:extLst>
+            </p:cNvPr>
+            <p:cNvSpPr/>
+            <p:nvPr/>
+          </p:nvSpPr>
+          <p:spPr>
+            <a:xfrm>
+              <a:off x="6857063" y="2514954"/>
+              <a:ext cx="978040" cy="1092629"/>
+            </a:xfrm>
+            <a:prstGeom prst="roundRect">
+              <a:avLst/>
+            </a:prstGeom>
+            <a:solidFill>
+              <a:schemeClr val="bg1"/>
+            </a:solidFill>
+            <a:ln>
+              <a:solidFill>
+                <a:schemeClr val="tx1"/>
+              </a:solidFill>
+            </a:ln>
+          </p:spPr>
+          <p:style>
+            <a:lnRef idx="2">
+              <a:schemeClr val="accent1">
+                <a:shade val="15000"/>
+              </a:schemeClr>
+            </a:lnRef>
+            <a:fillRef idx="1">
+              <a:schemeClr val="accent1"/>
+            </a:fillRef>
+            <a:effectRef idx="0">
+              <a:schemeClr val="accent1"/>
+            </a:effectRef>
+            <a:fontRef idx="minor">
+              <a:schemeClr val="lt1"/>
+            </a:fontRef>
+          </p:style>
+          <p:txBody>
+            <a:bodyPr rtlCol="0" anchor="ctr"/>
+            <a:lstStyle/>
+            <a:p>
+              <a:pPr algn="ctr"/>
+              <a:endParaRPr lang="en-US" altLang="ja-JP" dirty="0">
+                <a:solidFill>
+                  <a:schemeClr val="tx1"/>
+                </a:solidFill>
+              </a:endParaRPr>
+            </a:p>
+            <a:p>
+              <a:pPr algn="ctr"/>
+              <a:endParaRPr lang="en-US" altLang="ja-JP" dirty="0">
+                <a:solidFill>
+                  <a:schemeClr val="tx1"/>
+                </a:solidFill>
+              </a:endParaRPr>
+            </a:p>
+            <a:p>
+              <a:pPr algn="ctr"/>
+              <a:r>
+                <a:rPr lang="ja-JP" altLang="en-US" b="1" dirty="0">
+                  <a:solidFill>
+                    <a:schemeClr val="tx1"/>
+                  </a:solidFill>
+                  <a:latin typeface="メイリオ" panose="020B0604030504040204" pitchFamily="50" charset="-128"/>
+                  <a:ea typeface="メイリオ" panose="020B0604030504040204" pitchFamily="50" charset="-128"/>
+                </a:rPr>
+                <a:t>ユーザ</a:t>
+              </a:r>
+              <a:endParaRPr kumimoji="1" lang="ja-JP" altLang="en-US" b="1" dirty="0">
+                <a:solidFill>
+                  <a:schemeClr val="tx1"/>
+                </a:solidFill>
+                <a:latin typeface="メイリオ" panose="020B0604030504040204" pitchFamily="50" charset="-128"/>
+                <a:ea typeface="メイリオ" panose="020B0604030504040204" pitchFamily="50" charset="-128"/>
+              </a:endParaRPr>
+            </a:p>
+          </p:txBody>
+        </p:sp>
+        <p:pic>
+          <p:nvPicPr>
+            <p:cNvPr id="7" name="グラフィックス 6" descr="ユーザー 枠線">
+              <a:extLst>
+                <a:ext uri="{FF2B5EF4-FFF2-40B4-BE49-F238E27FC236}">
+                  <a16:creationId xmlns:a16="http://schemas.microsoft.com/office/drawing/2014/main" id="{89214A5A-DBBA-874A-7E0B-D21B994A80DF}"/>
+                </a:ext>
+              </a:extLst>
+            </p:cNvPr>
+            <p:cNvPicPr>
+              <a:picLocks noChangeAspect="1"/>
+            </p:cNvPicPr>
+            <p:nvPr/>
+          </p:nvPicPr>
+          <p:blipFill>
+            <a:blip r:embed="rId4">
+              <a:extLst>
+                <a:ext uri="{96DAC541-7B7A-43D3-8B79-37D633B846F1}">
+                  <asvg:svgBlip xmlns:asvg="http://schemas.microsoft.com/office/drawing/2016/SVG/main" r:embed="rId5"/>
+                </a:ext>
+              </a:extLst>
+            </a:blip>
+            <a:stretch>
+              <a:fillRect/>
+            </a:stretch>
+          </p:blipFill>
+          <p:spPr>
+            <a:xfrm>
+              <a:off x="6977166" y="2514954"/>
+              <a:ext cx="737833" cy="737833"/>
+            </a:xfrm>
+            <a:prstGeom prst="rect">
+              <a:avLst/>
+            </a:prstGeom>
+          </p:spPr>
+        </p:pic>
+      </p:grpSp>
+      <p:sp>
+        <p:nvSpPr>
+          <p:cNvPr id="10" name="テキスト ボックス 9">
+            <a:extLst>
+              <a:ext uri="{FF2B5EF4-FFF2-40B4-BE49-F238E27FC236}">
+                <a16:creationId xmlns:a16="http://schemas.microsoft.com/office/drawing/2014/main" id="{3574FA17-BFFD-7F10-E9CF-1C695662C71C}"/>
+              </a:ext>
+            </a:extLst>
+          </p:cNvPr>
+          <p:cNvSpPr txBox="1"/>
+          <p:nvPr/>
+        </p:nvSpPr>
+        <p:spPr>
+          <a:xfrm>
+            <a:off x="4723252" y="2891840"/>
+            <a:ext cx="1108261" cy="307777"/>
+          </a:xfrm>
+          <a:prstGeom prst="rect">
+            <a:avLst/>
+          </a:prstGeom>
+          <a:noFill/>
+        </p:spPr>
+        <p:txBody>
+          <a:bodyPr wrap="square" rtlCol="0">
+            <a:spAutoFit/>
+          </a:bodyPr>
+          <a:lstStyle/>
+          <a:p>
+            <a:pPr algn="ctr"/>
+            <a:r>
+              <a:rPr kumimoji="1" lang="ja-JP" altLang="en-US" sz="1400" dirty="0">
+                <a:latin typeface="メイリオ" panose="020B0604030504040204" pitchFamily="50" charset="-128"/>
+                <a:ea typeface="メイリオ" panose="020B0604030504040204" pitchFamily="50" charset="-128"/>
+              </a:rPr>
+              <a:t>対話</a:t>
+            </a:r>
+          </a:p>
+        </p:txBody>
+      </p:sp>
+    </p:spTree>
+    <p:extLst>
+      <p:ext uri="{BB962C8B-B14F-4D97-AF65-F5344CB8AC3E}">
+        <p14:creationId xmlns:p14="http://schemas.microsoft.com/office/powerpoint/2010/main" val="3588070036"/>
+      </p:ext>
+    </p:extLst>
+  </p:cSld>
+  <p:clrMapOvr>
+    <a:masterClrMapping/>
+  </p:clrMapOvr>
+</p:sld>
+</file>
+
+<file path=ppt/slides/slide3.xml><?xml version="1.0" encoding="utf-8"?>
+<p:sld xmlns:a="http://schemas.openxmlformats.org/drawingml/2006/main" xmlns:r="http://schemas.openxmlformats.org/officeDocument/2006/relationships" xmlns:p="http://schemas.openxmlformats.org/presentationml/2006/main">
+  <p:cSld>
     <p:spTree>
       <p:nvGrpSpPr>
         <p:cNvPr id="1" name="">
@@ -6216,6 +6910,872 @@
     <p:extLst>
       <p:ext uri="{BB962C8B-B14F-4D97-AF65-F5344CB8AC3E}">
         <p14:creationId xmlns:p14="http://schemas.microsoft.com/office/powerpoint/2010/main" val="1422077648"/>
+      </p:ext>
+    </p:extLst>
+  </p:cSld>
+  <p:clrMapOvr>
+    <a:masterClrMapping/>
+  </p:clrMapOvr>
+</p:sld>
+</file>
+
+<file path=ppt/slides/slide4.xml><?xml version="1.0" encoding="utf-8"?>
+<p:sld xmlns:a="http://schemas.openxmlformats.org/drawingml/2006/main" xmlns:r="http://schemas.openxmlformats.org/officeDocument/2006/relationships" xmlns:p="http://schemas.openxmlformats.org/presentationml/2006/main">
+  <p:cSld>
+    <p:bg>
+      <p:bgPr>
+        <a:solidFill>
+          <a:srgbClr val="FEF8F4"/>
+        </a:solidFill>
+        <a:effectLst/>
+      </p:bgPr>
+    </p:bg>
+    <p:spTree>
+      <p:nvGrpSpPr>
+        <p:cNvPr id="1" name=""/>
+        <p:cNvGrpSpPr/>
+        <p:nvPr/>
+      </p:nvGrpSpPr>
+      <p:grpSpPr>
+        <a:xfrm>
+          <a:off x="0" y="0"/>
+          <a:ext cx="0" cy="0"/>
+          <a:chOff x="0" y="0"/>
+          <a:chExt cx="0" cy="0"/>
+        </a:xfrm>
+      </p:grpSpPr>
+      <p:grpSp>
+        <p:nvGrpSpPr>
+          <p:cNvPr id="5" name="グループ化 4">
+            <a:extLst>
+              <a:ext uri="{FF2B5EF4-FFF2-40B4-BE49-F238E27FC236}">
+                <a16:creationId xmlns:a16="http://schemas.microsoft.com/office/drawing/2014/main" id="{0ADE7E8F-66B6-A5E1-A399-8BE7E74B54FA}"/>
+              </a:ext>
+            </a:extLst>
+          </p:cNvPr>
+          <p:cNvGrpSpPr/>
+          <p:nvPr/>
+        </p:nvGrpSpPr>
+        <p:grpSpPr>
+          <a:xfrm>
+            <a:off x="4613906" y="2632517"/>
+            <a:ext cx="1482094" cy="796483"/>
+            <a:chOff x="4978790" y="1596112"/>
+            <a:chExt cx="1290051" cy="796483"/>
+          </a:xfrm>
+        </p:grpSpPr>
+        <p:sp>
+          <p:nvSpPr>
+            <p:cNvPr id="6" name="四角形: 角を丸くする 5">
+              <a:extLst>
+                <a:ext uri="{FF2B5EF4-FFF2-40B4-BE49-F238E27FC236}">
+                  <a16:creationId xmlns:a16="http://schemas.microsoft.com/office/drawing/2014/main" id="{1F550241-77B5-6532-70B5-3A7A75700776}"/>
+                </a:ext>
+              </a:extLst>
+            </p:cNvPr>
+            <p:cNvSpPr/>
+            <p:nvPr/>
+          </p:nvSpPr>
+          <p:spPr>
+            <a:xfrm>
+              <a:off x="5026214" y="1596112"/>
+              <a:ext cx="1242627" cy="796483"/>
+            </a:xfrm>
+            <a:prstGeom prst="roundRect">
+              <a:avLst/>
+            </a:prstGeom>
+            <a:solidFill>
+              <a:schemeClr val="bg1"/>
+            </a:solidFill>
+            <a:ln>
+              <a:solidFill>
+                <a:schemeClr val="tx1"/>
+              </a:solidFill>
+            </a:ln>
+          </p:spPr>
+          <p:style>
+            <a:lnRef idx="2">
+              <a:schemeClr val="accent1">
+                <a:shade val="15000"/>
+              </a:schemeClr>
+            </a:lnRef>
+            <a:fillRef idx="1">
+              <a:schemeClr val="accent1"/>
+            </a:fillRef>
+            <a:effectRef idx="0">
+              <a:schemeClr val="accent1"/>
+            </a:effectRef>
+            <a:fontRef idx="minor">
+              <a:schemeClr val="lt1"/>
+            </a:fontRef>
+          </p:style>
+          <p:txBody>
+            <a:bodyPr rtlCol="0" anchor="ctr"/>
+            <a:lstStyle/>
+            <a:p>
+              <a:pPr algn="r"/>
+              <a:r>
+                <a:rPr kumimoji="1" lang="en-US" altLang="ja-JP" b="1" dirty="0">
+                  <a:solidFill>
+                    <a:schemeClr val="tx1"/>
+                  </a:solidFill>
+                  <a:latin typeface="メイリオ" panose="020B0604030504040204" pitchFamily="50" charset="-128"/>
+                  <a:ea typeface="メイリオ" panose="020B0604030504040204" pitchFamily="50" charset="-128"/>
+                </a:rPr>
+                <a:t>LLM</a:t>
+              </a:r>
+              <a:endParaRPr kumimoji="1" lang="ja-JP" altLang="en-US" b="1" dirty="0">
+                <a:solidFill>
+                  <a:schemeClr val="tx1"/>
+                </a:solidFill>
+                <a:latin typeface="メイリオ" panose="020B0604030504040204" pitchFamily="50" charset="-128"/>
+                <a:ea typeface="メイリオ" panose="020B0604030504040204" pitchFamily="50" charset="-128"/>
+              </a:endParaRPr>
+            </a:p>
+          </p:txBody>
+        </p:sp>
+        <p:pic>
+          <p:nvPicPr>
+            <p:cNvPr id="7" name="グラフィックス 6" descr="人工知能 枠線">
+              <a:extLst>
+                <a:ext uri="{FF2B5EF4-FFF2-40B4-BE49-F238E27FC236}">
+                  <a16:creationId xmlns:a16="http://schemas.microsoft.com/office/drawing/2014/main" id="{C1E436DF-9B43-DECA-51B8-8F953E6DD110}"/>
+                </a:ext>
+              </a:extLst>
+            </p:cNvPr>
+            <p:cNvPicPr>
+              <a:picLocks noChangeAspect="1"/>
+            </p:cNvPicPr>
+            <p:nvPr/>
+          </p:nvPicPr>
+          <p:blipFill>
+            <a:blip r:embed="rId2">
+              <a:extLst>
+                <a:ext uri="{96DAC541-7B7A-43D3-8B79-37D633B846F1}">
+                  <asvg:svgBlip xmlns:asvg="http://schemas.microsoft.com/office/drawing/2016/SVG/main" r:embed="rId3"/>
+                </a:ext>
+              </a:extLst>
+            </a:blip>
+            <a:stretch>
+              <a:fillRect/>
+            </a:stretch>
+          </p:blipFill>
+          <p:spPr>
+            <a:xfrm>
+              <a:off x="4978790" y="1614211"/>
+              <a:ext cx="737171" cy="737171"/>
+            </a:xfrm>
+            <a:prstGeom prst="rect">
+              <a:avLst/>
+            </a:prstGeom>
+          </p:spPr>
+        </p:pic>
+      </p:grpSp>
+      <p:grpSp>
+        <p:nvGrpSpPr>
+          <p:cNvPr id="15" name="グループ化 14">
+            <a:extLst>
+              <a:ext uri="{FF2B5EF4-FFF2-40B4-BE49-F238E27FC236}">
+                <a16:creationId xmlns:a16="http://schemas.microsoft.com/office/drawing/2014/main" id="{87487C82-275A-DA55-9CAC-1D09BF3A22CC}"/>
+              </a:ext>
+            </a:extLst>
+          </p:cNvPr>
+          <p:cNvGrpSpPr/>
+          <p:nvPr/>
+        </p:nvGrpSpPr>
+        <p:grpSpPr>
+          <a:xfrm>
+            <a:off x="2397039" y="2632517"/>
+            <a:ext cx="1496073" cy="796484"/>
+            <a:chOff x="1773713" y="3226349"/>
+            <a:chExt cx="1496073" cy="796484"/>
+          </a:xfrm>
+        </p:grpSpPr>
+        <p:sp>
+          <p:nvSpPr>
+            <p:cNvPr id="13" name="四角形: 角を丸くする 12">
+              <a:extLst>
+                <a:ext uri="{FF2B5EF4-FFF2-40B4-BE49-F238E27FC236}">
+                  <a16:creationId xmlns:a16="http://schemas.microsoft.com/office/drawing/2014/main" id="{79D12BC3-C56A-74D6-86BD-4DB65573F076}"/>
+                </a:ext>
+              </a:extLst>
+            </p:cNvPr>
+            <p:cNvSpPr/>
+            <p:nvPr/>
+          </p:nvSpPr>
+          <p:spPr>
+            <a:xfrm>
+              <a:off x="1842176" y="3226350"/>
+              <a:ext cx="1427610" cy="796483"/>
+            </a:xfrm>
+            <a:prstGeom prst="roundRect">
+              <a:avLst/>
+            </a:prstGeom>
+            <a:solidFill>
+              <a:schemeClr val="bg1"/>
+            </a:solidFill>
+            <a:ln>
+              <a:solidFill>
+                <a:schemeClr val="tx1"/>
+              </a:solidFill>
+            </a:ln>
+          </p:spPr>
+          <p:style>
+            <a:lnRef idx="2">
+              <a:schemeClr val="accent1">
+                <a:shade val="15000"/>
+              </a:schemeClr>
+            </a:lnRef>
+            <a:fillRef idx="1">
+              <a:schemeClr val="accent1"/>
+            </a:fillRef>
+            <a:effectRef idx="0">
+              <a:schemeClr val="accent1"/>
+            </a:effectRef>
+            <a:fontRef idx="minor">
+              <a:schemeClr val="lt1"/>
+            </a:fontRef>
+          </p:style>
+          <p:txBody>
+            <a:bodyPr rtlCol="0" anchor="ctr"/>
+            <a:lstStyle/>
+            <a:p>
+              <a:pPr algn="r"/>
+              <a:r>
+                <a:rPr kumimoji="1" lang="ja-JP" altLang="en-US" b="1" dirty="0">
+                  <a:solidFill>
+                    <a:schemeClr val="tx1"/>
+                  </a:solidFill>
+                  <a:latin typeface="メイリオ" panose="020B0604030504040204" pitchFamily="50" charset="-128"/>
+                  <a:ea typeface="メイリオ" panose="020B0604030504040204" pitchFamily="50" charset="-128"/>
+                </a:rPr>
+                <a:t>誤情報</a:t>
+              </a:r>
+            </a:p>
+          </p:txBody>
+        </p:sp>
+        <p:pic>
+          <p:nvPicPr>
+            <p:cNvPr id="11" name="グラフィックス 10" descr="契約 枠線">
+              <a:extLst>
+                <a:ext uri="{FF2B5EF4-FFF2-40B4-BE49-F238E27FC236}">
+                  <a16:creationId xmlns:a16="http://schemas.microsoft.com/office/drawing/2014/main" id="{8C975F24-6162-833D-69BA-EFD8445CB4C6}"/>
+                </a:ext>
+              </a:extLst>
+            </p:cNvPr>
+            <p:cNvPicPr>
+              <a:picLocks noChangeAspect="1"/>
+            </p:cNvPicPr>
+            <p:nvPr/>
+          </p:nvPicPr>
+          <p:blipFill>
+            <a:blip r:embed="rId4">
+              <a:extLst>
+                <a:ext uri="{96DAC541-7B7A-43D3-8B79-37D633B846F1}">
+                  <asvg:svgBlip xmlns:asvg="http://schemas.microsoft.com/office/drawing/2016/SVG/main" r:embed="rId5"/>
+                </a:ext>
+              </a:extLst>
+            </a:blip>
+            <a:stretch>
+              <a:fillRect/>
+            </a:stretch>
+          </p:blipFill>
+          <p:spPr>
+            <a:xfrm>
+              <a:off x="1773713" y="3226349"/>
+              <a:ext cx="796483" cy="796483"/>
+            </a:xfrm>
+            <a:prstGeom prst="rect">
+              <a:avLst/>
+            </a:prstGeom>
+          </p:spPr>
+        </p:pic>
+      </p:grpSp>
+      <p:cxnSp>
+        <p:nvCxnSpPr>
+          <p:cNvPr id="19" name="直線矢印コネクタ 18">
+            <a:extLst>
+              <a:ext uri="{FF2B5EF4-FFF2-40B4-BE49-F238E27FC236}">
+                <a16:creationId xmlns:a16="http://schemas.microsoft.com/office/drawing/2014/main" id="{A6CB304A-21E0-F9B0-BFA5-1D86D64B0BCC}"/>
+              </a:ext>
+            </a:extLst>
+          </p:cNvPr>
+          <p:cNvCxnSpPr>
+            <a:cxnSpLocks/>
+            <a:stCxn id="13" idx="3"/>
+            <a:endCxn id="6" idx="1"/>
+          </p:cNvCxnSpPr>
+          <p:nvPr/>
+        </p:nvCxnSpPr>
+        <p:spPr>
+          <a:xfrm flipV="1">
+            <a:off x="3893112" y="3030759"/>
+            <a:ext cx="775278" cy="1"/>
+          </a:xfrm>
+          <a:prstGeom prst="straightConnector1">
+            <a:avLst/>
+          </a:prstGeom>
+          <a:ln w="31750">
+            <a:tailEnd type="triangle"/>
+          </a:ln>
+        </p:spPr>
+        <p:style>
+          <a:lnRef idx="2">
+            <a:schemeClr val="dk1"/>
+          </a:lnRef>
+          <a:fillRef idx="0">
+            <a:schemeClr val="dk1"/>
+          </a:fillRef>
+          <a:effectRef idx="1">
+            <a:schemeClr val="dk1"/>
+          </a:effectRef>
+          <a:fontRef idx="minor">
+            <a:schemeClr val="tx1"/>
+          </a:fontRef>
+        </p:style>
+      </p:cxnSp>
+      <p:grpSp>
+        <p:nvGrpSpPr>
+          <p:cNvPr id="36" name="グループ化 35">
+            <a:extLst>
+              <a:ext uri="{FF2B5EF4-FFF2-40B4-BE49-F238E27FC236}">
+                <a16:creationId xmlns:a16="http://schemas.microsoft.com/office/drawing/2014/main" id="{F9EB26FA-8B6D-0081-1BF9-4CBC635E5DE4}"/>
+              </a:ext>
+            </a:extLst>
+          </p:cNvPr>
+          <p:cNvGrpSpPr/>
+          <p:nvPr/>
+        </p:nvGrpSpPr>
+        <p:grpSpPr>
+          <a:xfrm>
+            <a:off x="7649489" y="2484443"/>
+            <a:ext cx="978040" cy="1092629"/>
+            <a:chOff x="6857063" y="2514954"/>
+            <a:chExt cx="978040" cy="1092629"/>
+          </a:xfrm>
+        </p:grpSpPr>
+        <p:sp>
+          <p:nvSpPr>
+            <p:cNvPr id="23" name="四角形: 角を丸くする 22">
+              <a:extLst>
+                <a:ext uri="{FF2B5EF4-FFF2-40B4-BE49-F238E27FC236}">
+                  <a16:creationId xmlns:a16="http://schemas.microsoft.com/office/drawing/2014/main" id="{CE628309-1B62-430F-E22D-D400EB5F5FEB}"/>
+                </a:ext>
+              </a:extLst>
+            </p:cNvPr>
+            <p:cNvSpPr/>
+            <p:nvPr/>
+          </p:nvSpPr>
+          <p:spPr>
+            <a:xfrm>
+              <a:off x="6857063" y="2514954"/>
+              <a:ext cx="978040" cy="1092629"/>
+            </a:xfrm>
+            <a:prstGeom prst="roundRect">
+              <a:avLst/>
+            </a:prstGeom>
+            <a:solidFill>
+              <a:schemeClr val="bg1"/>
+            </a:solidFill>
+            <a:ln>
+              <a:solidFill>
+                <a:schemeClr val="tx1"/>
+              </a:solidFill>
+            </a:ln>
+          </p:spPr>
+          <p:style>
+            <a:lnRef idx="2">
+              <a:schemeClr val="accent1">
+                <a:shade val="15000"/>
+              </a:schemeClr>
+            </a:lnRef>
+            <a:fillRef idx="1">
+              <a:schemeClr val="accent1"/>
+            </a:fillRef>
+            <a:effectRef idx="0">
+              <a:schemeClr val="accent1"/>
+            </a:effectRef>
+            <a:fontRef idx="minor">
+              <a:schemeClr val="lt1"/>
+            </a:fontRef>
+          </p:style>
+          <p:txBody>
+            <a:bodyPr rtlCol="0" anchor="ctr"/>
+            <a:lstStyle/>
+            <a:p>
+              <a:pPr algn="ctr"/>
+              <a:endParaRPr lang="en-US" altLang="ja-JP" dirty="0">
+                <a:solidFill>
+                  <a:schemeClr val="tx1"/>
+                </a:solidFill>
+              </a:endParaRPr>
+            </a:p>
+            <a:p>
+              <a:pPr algn="ctr"/>
+              <a:endParaRPr lang="en-US" altLang="ja-JP" dirty="0">
+                <a:solidFill>
+                  <a:schemeClr val="tx1"/>
+                </a:solidFill>
+              </a:endParaRPr>
+            </a:p>
+            <a:p>
+              <a:pPr algn="ctr"/>
+              <a:r>
+                <a:rPr lang="ja-JP" altLang="en-US" b="1" dirty="0">
+                  <a:solidFill>
+                    <a:schemeClr val="tx1"/>
+                  </a:solidFill>
+                  <a:latin typeface="メイリオ" panose="020B0604030504040204" pitchFamily="50" charset="-128"/>
+                  <a:ea typeface="メイリオ" panose="020B0604030504040204" pitchFamily="50" charset="-128"/>
+                </a:rPr>
+                <a:t>ユーザ</a:t>
+              </a:r>
+              <a:endParaRPr kumimoji="1" lang="ja-JP" altLang="en-US" b="1" dirty="0">
+                <a:solidFill>
+                  <a:schemeClr val="tx1"/>
+                </a:solidFill>
+                <a:latin typeface="メイリオ" panose="020B0604030504040204" pitchFamily="50" charset="-128"/>
+                <a:ea typeface="メイリオ" panose="020B0604030504040204" pitchFamily="50" charset="-128"/>
+              </a:endParaRPr>
+            </a:p>
+          </p:txBody>
+        </p:sp>
+        <p:pic>
+          <p:nvPicPr>
+            <p:cNvPr id="24" name="グラフィックス 23" descr="ユーザー 枠線">
+              <a:extLst>
+                <a:ext uri="{FF2B5EF4-FFF2-40B4-BE49-F238E27FC236}">
+                  <a16:creationId xmlns:a16="http://schemas.microsoft.com/office/drawing/2014/main" id="{7F14ECA3-E746-A087-4CF4-E97A00291EE7}"/>
+                </a:ext>
+              </a:extLst>
+            </p:cNvPr>
+            <p:cNvPicPr>
+              <a:picLocks noChangeAspect="1"/>
+            </p:cNvPicPr>
+            <p:nvPr/>
+          </p:nvPicPr>
+          <p:blipFill>
+            <a:blip r:embed="rId6">
+              <a:extLst>
+                <a:ext uri="{96DAC541-7B7A-43D3-8B79-37D633B846F1}">
+                  <asvg:svgBlip xmlns:asvg="http://schemas.microsoft.com/office/drawing/2016/SVG/main" r:embed="rId7"/>
+                </a:ext>
+              </a:extLst>
+            </a:blip>
+            <a:stretch>
+              <a:fillRect/>
+            </a:stretch>
+          </p:blipFill>
+          <p:spPr>
+            <a:xfrm>
+              <a:off x="6977166" y="2514954"/>
+              <a:ext cx="737833" cy="737833"/>
+            </a:xfrm>
+            <a:prstGeom prst="rect">
+              <a:avLst/>
+            </a:prstGeom>
+          </p:spPr>
+        </p:pic>
+      </p:grpSp>
+      <p:sp>
+        <p:nvSpPr>
+          <p:cNvPr id="25" name="正方形/長方形 24">
+            <a:extLst>
+              <a:ext uri="{FF2B5EF4-FFF2-40B4-BE49-F238E27FC236}">
+                <a16:creationId xmlns:a16="http://schemas.microsoft.com/office/drawing/2014/main" id="{B5378703-7E1D-7AEA-0250-15E7B904EAC8}"/>
+              </a:ext>
+            </a:extLst>
+          </p:cNvPr>
+          <p:cNvSpPr/>
+          <p:nvPr/>
+        </p:nvSpPr>
+        <p:spPr>
+          <a:xfrm>
+            <a:off x="3660290" y="711752"/>
+            <a:ext cx="3443809" cy="1404961"/>
+          </a:xfrm>
+          <a:prstGeom prst="rect">
+            <a:avLst/>
+          </a:prstGeom>
+          <a:solidFill>
+            <a:schemeClr val="accent2">
+              <a:lumMod val="20000"/>
+              <a:lumOff val="80000"/>
+            </a:schemeClr>
+          </a:solidFill>
+        </p:spPr>
+        <p:style>
+          <a:lnRef idx="2">
+            <a:schemeClr val="accent1">
+              <a:shade val="15000"/>
+            </a:schemeClr>
+          </a:lnRef>
+          <a:fillRef idx="1">
+            <a:schemeClr val="accent1"/>
+          </a:fillRef>
+          <a:effectRef idx="0">
+            <a:schemeClr val="accent1"/>
+          </a:effectRef>
+          <a:fontRef idx="minor">
+            <a:schemeClr val="lt1"/>
+          </a:fontRef>
+        </p:style>
+        <p:txBody>
+          <a:bodyPr rtlCol="0" anchor="t" anchorCtr="0"/>
+          <a:lstStyle/>
+          <a:p>
+            <a:pPr algn="ctr"/>
+            <a:r>
+              <a:rPr lang="ja-JP" altLang="en-US" b="1" dirty="0">
+                <a:solidFill>
+                  <a:schemeClr val="tx1"/>
+                </a:solidFill>
+                <a:latin typeface="メイリオ" panose="020B0604030504040204" pitchFamily="50" charset="-128"/>
+                <a:ea typeface="メイリオ" panose="020B0604030504040204" pitchFamily="50" charset="-128"/>
+              </a:rPr>
+              <a:t>インターネットなど</a:t>
+            </a:r>
+            <a:endParaRPr kumimoji="1" lang="ja-JP" altLang="en-US" b="1" dirty="0">
+              <a:solidFill>
+                <a:schemeClr val="tx1"/>
+              </a:solidFill>
+              <a:latin typeface="メイリオ" panose="020B0604030504040204" pitchFamily="50" charset="-128"/>
+              <a:ea typeface="メイリオ" panose="020B0604030504040204" pitchFamily="50" charset="-128"/>
+            </a:endParaRPr>
+          </a:p>
+        </p:txBody>
+      </p:sp>
+      <p:grpSp>
+        <p:nvGrpSpPr>
+          <p:cNvPr id="26" name="グループ化 25">
+            <a:extLst>
+              <a:ext uri="{FF2B5EF4-FFF2-40B4-BE49-F238E27FC236}">
+                <a16:creationId xmlns:a16="http://schemas.microsoft.com/office/drawing/2014/main" id="{6D23B2C9-C38F-DC48-27B7-B5EFBE5DB2B3}"/>
+              </a:ext>
+            </a:extLst>
+          </p:cNvPr>
+          <p:cNvGrpSpPr/>
+          <p:nvPr/>
+        </p:nvGrpSpPr>
+        <p:grpSpPr>
+          <a:xfrm>
+            <a:off x="4599927" y="1155129"/>
+            <a:ext cx="1496073" cy="796484"/>
+            <a:chOff x="1773713" y="3226349"/>
+            <a:chExt cx="1496073" cy="796484"/>
+          </a:xfrm>
+        </p:grpSpPr>
+        <p:sp>
+          <p:nvSpPr>
+            <p:cNvPr id="27" name="四角形: 角を丸くする 26">
+              <a:extLst>
+                <a:ext uri="{FF2B5EF4-FFF2-40B4-BE49-F238E27FC236}">
+                  <a16:creationId xmlns:a16="http://schemas.microsoft.com/office/drawing/2014/main" id="{EF7D7E73-9831-47D6-F79E-5DB78CEE1CDE}"/>
+                </a:ext>
+              </a:extLst>
+            </p:cNvPr>
+            <p:cNvSpPr/>
+            <p:nvPr/>
+          </p:nvSpPr>
+          <p:spPr>
+            <a:xfrm>
+              <a:off x="1842176" y="3226350"/>
+              <a:ext cx="1427610" cy="796483"/>
+            </a:xfrm>
+            <a:prstGeom prst="roundRect">
+              <a:avLst/>
+            </a:prstGeom>
+            <a:solidFill>
+              <a:schemeClr val="bg1"/>
+            </a:solidFill>
+            <a:ln>
+              <a:solidFill>
+                <a:schemeClr val="tx1"/>
+              </a:solidFill>
+            </a:ln>
+          </p:spPr>
+          <p:style>
+            <a:lnRef idx="2">
+              <a:schemeClr val="accent1">
+                <a:shade val="15000"/>
+              </a:schemeClr>
+            </a:lnRef>
+            <a:fillRef idx="1">
+              <a:schemeClr val="accent1"/>
+            </a:fillRef>
+            <a:effectRef idx="0">
+              <a:schemeClr val="accent1"/>
+            </a:effectRef>
+            <a:fontRef idx="minor">
+              <a:schemeClr val="lt1"/>
+            </a:fontRef>
+          </p:style>
+          <p:txBody>
+            <a:bodyPr rtlCol="0" anchor="ctr"/>
+            <a:lstStyle/>
+            <a:p>
+              <a:pPr algn="r"/>
+              <a:r>
+                <a:rPr kumimoji="1" lang="ja-JP" altLang="en-US" b="1" dirty="0">
+                  <a:solidFill>
+                    <a:schemeClr val="tx1"/>
+                  </a:solidFill>
+                  <a:latin typeface="メイリオ" panose="020B0604030504040204" pitchFamily="50" charset="-128"/>
+                  <a:ea typeface="メイリオ" panose="020B0604030504040204" pitchFamily="50" charset="-128"/>
+                </a:rPr>
+                <a:t>誤情報</a:t>
+              </a:r>
+            </a:p>
+          </p:txBody>
+        </p:sp>
+        <p:pic>
+          <p:nvPicPr>
+            <p:cNvPr id="28" name="グラフィックス 27" descr="契約 枠線">
+              <a:extLst>
+                <a:ext uri="{FF2B5EF4-FFF2-40B4-BE49-F238E27FC236}">
+                  <a16:creationId xmlns:a16="http://schemas.microsoft.com/office/drawing/2014/main" id="{881DC19A-5343-5F59-B09E-747906D5257A}"/>
+                </a:ext>
+              </a:extLst>
+            </p:cNvPr>
+            <p:cNvPicPr>
+              <a:picLocks noChangeAspect="1"/>
+            </p:cNvPicPr>
+            <p:nvPr/>
+          </p:nvPicPr>
+          <p:blipFill>
+            <a:blip r:embed="rId4">
+              <a:extLst>
+                <a:ext uri="{96DAC541-7B7A-43D3-8B79-37D633B846F1}">
+                  <asvg:svgBlip xmlns:asvg="http://schemas.microsoft.com/office/drawing/2016/SVG/main" r:embed="rId5"/>
+                </a:ext>
+              </a:extLst>
+            </a:blip>
+            <a:stretch>
+              <a:fillRect/>
+            </a:stretch>
+          </p:blipFill>
+          <p:spPr>
+            <a:xfrm>
+              <a:off x="1773713" y="3226349"/>
+              <a:ext cx="796483" cy="796483"/>
+            </a:xfrm>
+            <a:prstGeom prst="rect">
+              <a:avLst/>
+            </a:prstGeom>
+          </p:spPr>
+        </p:pic>
+      </p:grpSp>
+      <p:cxnSp>
+        <p:nvCxnSpPr>
+          <p:cNvPr id="29" name="直線矢印コネクタ 28">
+            <a:extLst>
+              <a:ext uri="{FF2B5EF4-FFF2-40B4-BE49-F238E27FC236}">
+                <a16:creationId xmlns:a16="http://schemas.microsoft.com/office/drawing/2014/main" id="{81E16E07-AEEB-1999-ABD6-5D9E4B5E97B7}"/>
+              </a:ext>
+            </a:extLst>
+          </p:cNvPr>
+          <p:cNvCxnSpPr>
+            <a:cxnSpLocks/>
+            <a:stCxn id="27" idx="2"/>
+            <a:endCxn id="6" idx="0"/>
+          </p:cNvCxnSpPr>
+          <p:nvPr/>
+        </p:nvCxnSpPr>
+        <p:spPr>
+          <a:xfrm>
+            <a:off x="5382195" y="1951613"/>
+            <a:ext cx="0" cy="680904"/>
+          </a:xfrm>
+          <a:prstGeom prst="straightConnector1">
+            <a:avLst/>
+          </a:prstGeom>
+          <a:ln w="31750">
+            <a:tailEnd type="triangle"/>
+          </a:ln>
+        </p:spPr>
+        <p:style>
+          <a:lnRef idx="2">
+            <a:schemeClr val="dk1"/>
+          </a:lnRef>
+          <a:fillRef idx="0">
+            <a:schemeClr val="dk1"/>
+          </a:fillRef>
+          <a:effectRef idx="1">
+            <a:schemeClr val="dk1"/>
+          </a:effectRef>
+          <a:fontRef idx="minor">
+            <a:schemeClr val="tx1"/>
+          </a:fontRef>
+        </p:style>
+      </p:cxnSp>
+      <p:cxnSp>
+        <p:nvCxnSpPr>
+          <p:cNvPr id="32" name="直線矢印コネクタ 31">
+            <a:extLst>
+              <a:ext uri="{FF2B5EF4-FFF2-40B4-BE49-F238E27FC236}">
+                <a16:creationId xmlns:a16="http://schemas.microsoft.com/office/drawing/2014/main" id="{433C1D46-E142-6FC3-4B2F-4D4D276FDADC}"/>
+              </a:ext>
+            </a:extLst>
+          </p:cNvPr>
+          <p:cNvCxnSpPr>
+            <a:cxnSpLocks/>
+            <a:stCxn id="6" idx="3"/>
+            <a:endCxn id="23" idx="1"/>
+          </p:cNvCxnSpPr>
+          <p:nvPr/>
+        </p:nvCxnSpPr>
+        <p:spPr>
+          <a:xfrm flipV="1">
+            <a:off x="6096000" y="3030758"/>
+            <a:ext cx="1553489" cy="1"/>
+          </a:xfrm>
+          <a:prstGeom prst="straightConnector1">
+            <a:avLst/>
+          </a:prstGeom>
+          <a:ln w="31750">
+            <a:tailEnd type="triangle"/>
+          </a:ln>
+        </p:spPr>
+        <p:style>
+          <a:lnRef idx="2">
+            <a:schemeClr val="dk1"/>
+          </a:lnRef>
+          <a:fillRef idx="0">
+            <a:schemeClr val="dk1"/>
+          </a:fillRef>
+          <a:effectRef idx="1">
+            <a:schemeClr val="dk1"/>
+          </a:effectRef>
+          <a:fontRef idx="minor">
+            <a:schemeClr val="tx1"/>
+          </a:fontRef>
+        </p:style>
+      </p:cxnSp>
+      <p:sp>
+        <p:nvSpPr>
+          <p:cNvPr id="38" name="テキスト ボックス 37">
+            <a:extLst>
+              <a:ext uri="{FF2B5EF4-FFF2-40B4-BE49-F238E27FC236}">
+                <a16:creationId xmlns:a16="http://schemas.microsoft.com/office/drawing/2014/main" id="{DAE38F84-BDFB-A178-C7DE-AF253596E255}"/>
+              </a:ext>
+            </a:extLst>
+          </p:cNvPr>
+          <p:cNvSpPr txBox="1"/>
+          <p:nvPr/>
+        </p:nvSpPr>
+        <p:spPr>
+          <a:xfrm>
+            <a:off x="3726621" y="2711769"/>
+            <a:ext cx="1108261" cy="307777"/>
+          </a:xfrm>
+          <a:prstGeom prst="rect">
+            <a:avLst/>
+          </a:prstGeom>
+          <a:noFill/>
+        </p:spPr>
+        <p:txBody>
+          <a:bodyPr wrap="square" rtlCol="0">
+            <a:spAutoFit/>
+          </a:bodyPr>
+          <a:lstStyle/>
+          <a:p>
+            <a:pPr algn="ctr"/>
+            <a:r>
+              <a:rPr kumimoji="1" lang="ja-JP" altLang="en-US" sz="1400" dirty="0">
+                <a:latin typeface="メイリオ" panose="020B0604030504040204" pitchFamily="50" charset="-128"/>
+                <a:ea typeface="メイリオ" panose="020B0604030504040204" pitchFamily="50" charset="-128"/>
+              </a:rPr>
+              <a:t>学習時</a:t>
+            </a:r>
+          </a:p>
+        </p:txBody>
+      </p:sp>
+      <p:sp>
+        <p:nvSpPr>
+          <p:cNvPr id="39" name="テキスト ボックス 38">
+            <a:extLst>
+              <a:ext uri="{FF2B5EF4-FFF2-40B4-BE49-F238E27FC236}">
+                <a16:creationId xmlns:a16="http://schemas.microsoft.com/office/drawing/2014/main" id="{9820F723-19A4-4BD2-9102-7DC98F87E987}"/>
+              </a:ext>
+            </a:extLst>
+          </p:cNvPr>
+          <p:cNvSpPr txBox="1"/>
+          <p:nvPr/>
+        </p:nvSpPr>
+        <p:spPr>
+          <a:xfrm>
+            <a:off x="5175700" y="2234389"/>
+            <a:ext cx="1108261" cy="307777"/>
+          </a:xfrm>
+          <a:prstGeom prst="rect">
+            <a:avLst/>
+          </a:prstGeom>
+          <a:noFill/>
+        </p:spPr>
+        <p:txBody>
+          <a:bodyPr wrap="square" rtlCol="0">
+            <a:spAutoFit/>
+          </a:bodyPr>
+          <a:lstStyle/>
+          <a:p>
+            <a:pPr algn="ctr"/>
+            <a:r>
+              <a:rPr lang="ja-JP" altLang="en-US" sz="1400" dirty="0">
+                <a:latin typeface="メイリオ" panose="020B0604030504040204" pitchFamily="50" charset="-128"/>
+                <a:ea typeface="メイリオ" panose="020B0604030504040204" pitchFamily="50" charset="-128"/>
+              </a:rPr>
+              <a:t>推論時</a:t>
+            </a:r>
+            <a:endParaRPr kumimoji="1" lang="ja-JP" altLang="en-US" sz="1400" dirty="0">
+              <a:latin typeface="メイリオ" panose="020B0604030504040204" pitchFamily="50" charset="-128"/>
+              <a:ea typeface="メイリオ" panose="020B0604030504040204" pitchFamily="50" charset="-128"/>
+            </a:endParaRPr>
+          </a:p>
+        </p:txBody>
+      </p:sp>
+      <p:sp>
+        <p:nvSpPr>
+          <p:cNvPr id="40" name="テキスト ボックス 39">
+            <a:extLst>
+              <a:ext uri="{FF2B5EF4-FFF2-40B4-BE49-F238E27FC236}">
+                <a16:creationId xmlns:a16="http://schemas.microsoft.com/office/drawing/2014/main" id="{ECD1628B-95D8-9980-63D5-506A0F23239E}"/>
+              </a:ext>
+            </a:extLst>
+          </p:cNvPr>
+          <p:cNvSpPr txBox="1"/>
+          <p:nvPr/>
+        </p:nvSpPr>
+        <p:spPr>
+          <a:xfrm>
+            <a:off x="5827783" y="2706464"/>
+            <a:ext cx="2086989" cy="307777"/>
+          </a:xfrm>
+          <a:prstGeom prst="rect">
+            <a:avLst/>
+          </a:prstGeom>
+          <a:noFill/>
+        </p:spPr>
+        <p:txBody>
+          <a:bodyPr wrap="square" rtlCol="0">
+            <a:spAutoFit/>
+          </a:bodyPr>
+          <a:lstStyle/>
+          <a:p>
+            <a:pPr algn="ctr"/>
+            <a:r>
+              <a:rPr kumimoji="1" lang="ja-JP" altLang="en-US" sz="1400" dirty="0">
+                <a:latin typeface="メイリオ" panose="020B0604030504040204" pitchFamily="50" charset="-128"/>
+                <a:ea typeface="メイリオ" panose="020B0604030504040204" pitchFamily="50" charset="-128"/>
+              </a:rPr>
+              <a:t>ハルシネーション</a:t>
+            </a:r>
+          </a:p>
+        </p:txBody>
+      </p:sp>
+    </p:spTree>
+    <p:extLst>
+      <p:ext uri="{BB962C8B-B14F-4D97-AF65-F5344CB8AC3E}">
+        <p14:creationId xmlns:p14="http://schemas.microsoft.com/office/powerpoint/2010/main" val="1183970341"/>
       </p:ext>
     </p:extLst>
   </p:cSld>
